--- a/slide_for_presentation.pptx
+++ b/slide_for_presentation.pptx
@@ -5,17 +5,18 @@
     <p:sldMasterId id="2147483648" r:id="rId1"/>
   </p:sldMasterIdLst>
   <p:notesMasterIdLst>
-    <p:notesMasterId r:id="rId10"/>
+    <p:notesMasterId r:id="rId11"/>
   </p:notesMasterIdLst>
   <p:sldIdLst>
     <p:sldId id="256" r:id="rId2"/>
     <p:sldId id="257" r:id="rId3"/>
-    <p:sldId id="258" r:id="rId4"/>
-    <p:sldId id="259" r:id="rId5"/>
-    <p:sldId id="260" r:id="rId6"/>
-    <p:sldId id="261" r:id="rId7"/>
-    <p:sldId id="262" r:id="rId8"/>
-    <p:sldId id="263" r:id="rId9"/>
+    <p:sldId id="264" r:id="rId4"/>
+    <p:sldId id="258" r:id="rId5"/>
+    <p:sldId id="259" r:id="rId6"/>
+    <p:sldId id="260" r:id="rId7"/>
+    <p:sldId id="261" r:id="rId8"/>
+    <p:sldId id="262" r:id="rId9"/>
+    <p:sldId id="263" r:id="rId10"/>
   </p:sldIdLst>
   <p:sldSz cx="14630400" cy="8229600"/>
   <p:notesSz cx="8229600" cy="14630400"/>
@@ -486,7 +487,7 @@
     </p:spTree>
     <p:extLst>
       <p:ext uri="{BB962C8B-B14F-4D97-AF65-F5344CB8AC3E}">
-        <p14:creationId xmlns:p14="http://schemas.microsoft.com/office/powerpoint/2010/main" val="1024086991"/>
+        <p14:creationId xmlns:p14="http://schemas.microsoft.com/office/powerpoint/2010/main" val="2330105954"/>
       </p:ext>
     </p:extLst>
   </p:cSld>
@@ -898,6 +899,90 @@
             <a:fld id="{F7021451-1387-4CA6-816F-3879F97B5CBC}" type="slidenum">
               <a:rPr lang="en-US"/>
               <a:t>8</a:t>
+            </a:fld>
+            <a:endParaRPr lang="en-US"/>
+          </a:p>
+        </p:txBody>
+      </p:sp>
+    </p:spTree>
+    <p:extLst>
+      <p:ext uri="{BB962C8B-B14F-4D97-AF65-F5344CB8AC3E}">
+        <p14:creationId xmlns:p14="http://schemas.microsoft.com/office/powerpoint/2010/main" val="1024086991"/>
+      </p:ext>
+    </p:extLst>
+  </p:cSld>
+  <p:clrMapOvr>
+    <a:masterClrMapping/>
+  </p:clrMapOvr>
+</p:notes>
+</file>
+
+<file path=ppt/notesSlides/notesSlide9.xml><?xml version="1.0" encoding="utf-8"?>
+<p:notes xmlns:a="http://schemas.openxmlformats.org/drawingml/2006/main" xmlns:r="http://schemas.openxmlformats.org/officeDocument/2006/relationships" xmlns:p="http://schemas.openxmlformats.org/presentationml/2006/main">
+  <p:cSld>
+    <p:spTree>
+      <p:nvGrpSpPr>
+        <p:cNvPr id="1" name=""/>
+        <p:cNvGrpSpPr/>
+        <p:nvPr/>
+      </p:nvGrpSpPr>
+      <p:grpSpPr>
+        <a:xfrm>
+          <a:off x="0" y="0"/>
+          <a:ext cx="0" cy="0"/>
+          <a:chOff x="0" y="0"/>
+          <a:chExt cx="0" cy="0"/>
+        </a:xfrm>
+      </p:grpSpPr>
+      <p:sp>
+        <p:nvSpPr>
+          <p:cNvPr id="2" name="Slide Image Placeholder 1"/>
+          <p:cNvSpPr>
+            <a:spLocks noGrp="1" noRot="1" noChangeAspect="1"/>
+          </p:cNvSpPr>
+          <p:nvPr>
+            <p:ph type="sldImg"/>
+          </p:nvPr>
+        </p:nvSpPr>
+        <p:spPr/>
+      </p:sp>
+      <p:sp>
+        <p:nvSpPr>
+          <p:cNvPr id="3" name="Notes Placeholder 2"/>
+          <p:cNvSpPr>
+            <a:spLocks noGrp="1"/>
+          </p:cNvSpPr>
+          <p:nvPr>
+            <p:ph type="body" idx="1"/>
+          </p:nvPr>
+        </p:nvSpPr>
+        <p:spPr/>
+        <p:txBody>
+          <a:bodyPr/>
+          <a:lstStyle/>
+          <a:p>
+            <a:endParaRPr lang="en-US" dirty="0"/>
+          </a:p>
+        </p:txBody>
+      </p:sp>
+      <p:sp>
+        <p:nvSpPr>
+          <p:cNvPr id="4" name="Slide Number Placeholder 3"/>
+          <p:cNvSpPr>
+            <a:spLocks noGrp="1"/>
+          </p:cNvSpPr>
+          <p:nvPr>
+            <p:ph type="sldNum" sz="quarter" idx="10"/>
+          </p:nvPr>
+        </p:nvSpPr>
+        <p:spPr/>
+        <p:txBody>
+          <a:bodyPr/>
+          <a:lstStyle/>
+          <a:p>
+            <a:fld id="{F7021451-1387-4CA6-816F-3879F97B5CBC}" type="slidenum">
+              <a:rPr lang="en-US"/>
+              <a:t>9</a:t>
             </a:fld>
             <a:endParaRPr lang="en-US"/>
           </a:p>
@@ -1638,6 +1723,211 @@
           <a:ln/>
         </p:spPr>
       </p:sp>
+      <p:pic>
+        <p:nvPicPr>
+          <p:cNvPr id="15" name="Picture 14">
+            <a:extLst>
+              <a:ext uri="{FF2B5EF4-FFF2-40B4-BE49-F238E27FC236}">
+                <a16:creationId xmlns:a16="http://schemas.microsoft.com/office/drawing/2014/main" id="{DDF0D439-49AD-CB86-92C1-FDCA2BCE02CE}"/>
+              </a:ext>
+            </a:extLst>
+          </p:cNvPr>
+          <p:cNvPicPr>
+            <a:picLocks noChangeAspect="1"/>
+          </p:cNvPicPr>
+          <p:nvPr/>
+        </p:nvPicPr>
+        <p:blipFill>
+          <a:blip r:embed="rId4"/>
+          <a:stretch>
+            <a:fillRect/>
+          </a:stretch>
+        </p:blipFill>
+        <p:spPr>
+          <a:xfrm>
+            <a:off x="184825" y="168812"/>
+            <a:ext cx="7770126" cy="4471281"/>
+          </a:xfrm>
+          <a:prstGeom prst="rect">
+            <a:avLst/>
+          </a:prstGeom>
+        </p:spPr>
+      </p:pic>
+      <p:pic>
+        <p:nvPicPr>
+          <p:cNvPr id="17" name="Picture 16">
+            <a:extLst>
+              <a:ext uri="{FF2B5EF4-FFF2-40B4-BE49-F238E27FC236}">
+                <a16:creationId xmlns:a16="http://schemas.microsoft.com/office/drawing/2014/main" id="{7DC2CC6A-E7AD-DB88-DCDB-9F3E9F7F8270}"/>
+              </a:ext>
+            </a:extLst>
+          </p:cNvPr>
+          <p:cNvPicPr>
+            <a:picLocks noChangeAspect="1"/>
+          </p:cNvPicPr>
+          <p:nvPr/>
+        </p:nvPicPr>
+        <p:blipFill>
+          <a:blip r:embed="rId5"/>
+          <a:stretch>
+            <a:fillRect/>
+          </a:stretch>
+        </p:blipFill>
+        <p:spPr>
+          <a:xfrm>
+            <a:off x="8921403" y="2997707"/>
+            <a:ext cx="5077534" cy="3724795"/>
+          </a:xfrm>
+          <a:prstGeom prst="rect">
+            <a:avLst/>
+          </a:prstGeom>
+        </p:spPr>
+      </p:pic>
+      <p:sp>
+        <p:nvSpPr>
+          <p:cNvPr id="18" name="TextBox 17">
+            <a:extLst>
+              <a:ext uri="{FF2B5EF4-FFF2-40B4-BE49-F238E27FC236}">
+                <a16:creationId xmlns:a16="http://schemas.microsoft.com/office/drawing/2014/main" id="{04A477A2-EDD7-128E-75A4-AE6E05189858}"/>
+              </a:ext>
+            </a:extLst>
+          </p:cNvPr>
+          <p:cNvSpPr txBox="1"/>
+          <p:nvPr/>
+        </p:nvSpPr>
+        <p:spPr>
+          <a:xfrm>
+            <a:off x="2247088" y="5039087"/>
+            <a:ext cx="3461910" cy="369332"/>
+          </a:xfrm>
+          <a:prstGeom prst="rect">
+            <a:avLst/>
+          </a:prstGeom>
+          <a:noFill/>
+        </p:spPr>
+        <p:txBody>
+          <a:bodyPr wrap="none" rtlCol="0">
+            <a:spAutoFit/>
+          </a:bodyPr>
+          <a:lstStyle/>
+          <a:p>
+            <a:r>
+              <a:rPr lang="en-US" dirty="0"/>
+              <a:t>Project 1: using java swing and SQL</a:t>
+            </a:r>
+            <a:endParaRPr lang="en-SG" dirty="0"/>
+          </a:p>
+        </p:txBody>
+      </p:sp>
+      <p:sp>
+        <p:nvSpPr>
+          <p:cNvPr id="19" name="TextBox 18">
+            <a:extLst>
+              <a:ext uri="{FF2B5EF4-FFF2-40B4-BE49-F238E27FC236}">
+                <a16:creationId xmlns:a16="http://schemas.microsoft.com/office/drawing/2014/main" id="{BD1ED7DA-C4EC-D953-D609-A5456B0BADE8}"/>
+              </a:ext>
+            </a:extLst>
+          </p:cNvPr>
+          <p:cNvSpPr txBox="1"/>
+          <p:nvPr/>
+        </p:nvSpPr>
+        <p:spPr>
+          <a:xfrm>
+            <a:off x="8921403" y="7120008"/>
+            <a:ext cx="5208414" cy="369332"/>
+          </a:xfrm>
+          <a:prstGeom prst="rect">
+            <a:avLst/>
+          </a:prstGeom>
+          <a:noFill/>
+        </p:spPr>
+        <p:txBody>
+          <a:bodyPr wrap="none" rtlCol="0">
+            <a:spAutoFit/>
+          </a:bodyPr>
+          <a:lstStyle/>
+          <a:p>
+            <a:r>
+              <a:rPr lang="en-US" dirty="0"/>
+              <a:t>Project 2: using java swing and serializer / </a:t>
+            </a:r>
+            <a:r>
+              <a:rPr lang="en-US" dirty="0" err="1"/>
+              <a:t>deserializer</a:t>
+            </a:r>
+            <a:endParaRPr lang="en-SG" dirty="0"/>
+          </a:p>
+        </p:txBody>
+      </p:sp>
+    </p:spTree>
+  </p:cSld>
+  <p:clrMapOvr>
+    <a:masterClrMapping/>
+  </p:clrMapOvr>
+</p:sld>
+</file>
+
+<file path=ppt/slides/slide3.xml><?xml version="1.0" encoding="utf-8"?>
+<p:sld xmlns:a="http://schemas.openxmlformats.org/drawingml/2006/main" xmlns:r="http://schemas.openxmlformats.org/officeDocument/2006/relationships" xmlns:p="http://schemas.openxmlformats.org/presentationml/2006/main">
+  <p:cSld>
+    <p:spTree>
+      <p:nvGrpSpPr>
+        <p:cNvPr id="1" name=""/>
+        <p:cNvGrpSpPr/>
+        <p:nvPr/>
+      </p:nvGrpSpPr>
+      <p:grpSpPr>
+        <a:xfrm>
+          <a:off x="0" y="0"/>
+          <a:ext cx="0" cy="0"/>
+          <a:chOff x="0" y="0"/>
+          <a:chExt cx="0" cy="0"/>
+        </a:xfrm>
+      </p:grpSpPr>
+      <p:pic>
+        <p:nvPicPr>
+          <p:cNvPr id="2" name="Image 0" descr="preencoded.png"/>
+          <p:cNvPicPr>
+            <a:picLocks noChangeAspect="1"/>
+          </p:cNvPicPr>
+          <p:nvPr/>
+        </p:nvPicPr>
+        <p:blipFill>
+          <a:blip r:embed="rId3"/>
+          <a:stretch>
+            <a:fillRect/>
+          </a:stretch>
+        </p:blipFill>
+        <p:spPr>
+          <a:xfrm>
+            <a:off x="0" y="0"/>
+            <a:ext cx="14630400" cy="8229600"/>
+          </a:xfrm>
+          <a:prstGeom prst="rect">
+            <a:avLst/>
+          </a:prstGeom>
+        </p:spPr>
+      </p:pic>
+      <p:sp>
+        <p:nvSpPr>
+          <p:cNvPr id="3" name="Shape 0"/>
+          <p:cNvSpPr/>
+          <p:nvPr/>
+        </p:nvSpPr>
+        <p:spPr>
+          <a:xfrm>
+            <a:off x="0" y="0"/>
+            <a:ext cx="14630400" cy="8229600"/>
+          </a:xfrm>
+          <a:prstGeom prst="rect">
+            <a:avLst/>
+          </a:prstGeom>
+          <a:solidFill>
+            <a:srgbClr val="FFFDFA"/>
+          </a:solidFill>
+          <a:ln/>
+        </p:spPr>
+      </p:sp>
       <p:sp>
         <p:nvSpPr>
           <p:cNvPr id="12" name="Rectangle: Rounded Corners 11">
@@ -2082,6 +2372,11 @@
         </p:txBody>
       </p:sp>
     </p:spTree>
+    <p:extLst>
+      <p:ext uri="{BB962C8B-B14F-4D97-AF65-F5344CB8AC3E}">
+        <p14:creationId xmlns:p14="http://schemas.microsoft.com/office/powerpoint/2010/main" val="2593404038"/>
+      </p:ext>
+    </p:extLst>
   </p:cSld>
   <p:clrMapOvr>
     <a:masterClrMapping/>
@@ -2089,7 +2384,7 @@
 </p:sld>
 </file>
 
-<file path=ppt/slides/slide3.xml><?xml version="1.0" encoding="utf-8"?>
+<file path=ppt/slides/slide4.xml><?xml version="1.0" encoding="utf-8"?>
 <p:sld xmlns:a="http://schemas.openxmlformats.org/drawingml/2006/main" xmlns:r="http://schemas.openxmlformats.org/officeDocument/2006/relationships" xmlns:p="http://schemas.openxmlformats.org/presentationml/2006/main">
   <p:cSld name="Slide 3">
     <p:spTree>
@@ -2826,6 +3121,1134 @@
           </a:p>
         </p:txBody>
       </p:sp>
+      <p:sp>
+        <p:nvSpPr>
+          <p:cNvPr id="21" name="Shape 10">
+            <a:extLst>
+              <a:ext uri="{FF2B5EF4-FFF2-40B4-BE49-F238E27FC236}">
+                <a16:creationId xmlns:a16="http://schemas.microsoft.com/office/drawing/2014/main" id="{AD0E4138-61B0-89E9-D516-8879352AC902}"/>
+              </a:ext>
+            </a:extLst>
+          </p:cNvPr>
+          <p:cNvSpPr/>
+          <p:nvPr/>
+        </p:nvSpPr>
+        <p:spPr>
+          <a:xfrm>
+            <a:off x="4815483" y="6529141"/>
+            <a:ext cx="499943" cy="499943"/>
+          </a:xfrm>
+          <a:prstGeom prst="roundRect">
+            <a:avLst>
+              <a:gd name="adj" fmla="val 20000"/>
+            </a:avLst>
+          </a:prstGeom>
+          <a:solidFill>
+            <a:srgbClr val="F7EDD4"/>
+          </a:solidFill>
+          <a:ln w="7620">
+            <a:solidFill>
+              <a:srgbClr val="DDD3BA"/>
+            </a:solidFill>
+            <a:prstDash val="solid"/>
+          </a:ln>
+        </p:spPr>
+      </p:sp>
+      <p:sp>
+        <p:nvSpPr>
+          <p:cNvPr id="22" name="Text 11">
+            <a:extLst>
+              <a:ext uri="{FF2B5EF4-FFF2-40B4-BE49-F238E27FC236}">
+                <a16:creationId xmlns:a16="http://schemas.microsoft.com/office/drawing/2014/main" id="{0CCE1FD0-2872-7CB1-E675-1DC5AFB6685A}"/>
+              </a:ext>
+            </a:extLst>
+          </p:cNvPr>
+          <p:cNvSpPr/>
+          <p:nvPr/>
+        </p:nvSpPr>
+        <p:spPr>
+          <a:xfrm>
+            <a:off x="4962762" y="6570871"/>
+            <a:ext cx="205383" cy="416481"/>
+          </a:xfrm>
+          <a:prstGeom prst="rect">
+            <a:avLst/>
+          </a:prstGeom>
+          <a:noFill/>
+          <a:ln/>
+        </p:spPr>
+        <p:txBody>
+          <a:bodyPr wrap="none" rtlCol="0" anchor="t"/>
+          <a:lstStyle/>
+          <a:p>
+            <a:pPr marL="0" indent="0" algn="ctr">
+              <a:lnSpc>
+                <a:spcPts val="3281"/>
+              </a:lnSpc>
+              <a:buNone/>
+            </a:pPr>
+            <a:r>
+              <a:rPr lang="en-US" sz="2624" dirty="0">
+                <a:solidFill>
+                  <a:srgbClr val="454240"/>
+                </a:solidFill>
+                <a:latin typeface="Arial" panose="020B0604020202020204" pitchFamily="34" charset="0"/>
+                <a:cs typeface="Arial" panose="020B0604020202020204" pitchFamily="34" charset="0"/>
+              </a:rPr>
+              <a:t>5</a:t>
+            </a:r>
+            <a:endParaRPr lang="en-US" sz="2624" dirty="0">
+              <a:latin typeface="Arial" panose="020B0604020202020204" pitchFamily="34" charset="0"/>
+              <a:cs typeface="Arial" panose="020B0604020202020204" pitchFamily="34" charset="0"/>
+            </a:endParaRPr>
+          </a:p>
+        </p:txBody>
+      </p:sp>
+      <p:sp>
+        <p:nvSpPr>
+          <p:cNvPr id="23" name="TextBox 22">
+            <a:extLst>
+              <a:ext uri="{FF2B5EF4-FFF2-40B4-BE49-F238E27FC236}">
+                <a16:creationId xmlns:a16="http://schemas.microsoft.com/office/drawing/2014/main" id="{CC0F1B8E-AFC9-7FAA-8AB1-35686929DD9B}"/>
+              </a:ext>
+            </a:extLst>
+          </p:cNvPr>
+          <p:cNvSpPr txBox="1"/>
+          <p:nvPr/>
+        </p:nvSpPr>
+        <p:spPr>
+          <a:xfrm>
+            <a:off x="5341606" y="6618020"/>
+            <a:ext cx="699230" cy="429348"/>
+          </a:xfrm>
+          <a:prstGeom prst="rect">
+            <a:avLst/>
+          </a:prstGeom>
+          <a:noFill/>
+        </p:spPr>
+        <p:txBody>
+          <a:bodyPr wrap="none" rtlCol="0">
+            <a:spAutoFit/>
+          </a:bodyPr>
+          <a:lstStyle/>
+          <a:p>
+            <a:r>
+              <a:rPr lang="en-US" sz="2190" dirty="0">
+                <a:latin typeface="Arial" panose="020B0604020202020204" pitchFamily="34" charset="0"/>
+                <a:cs typeface="Arial" panose="020B0604020202020204" pitchFamily="34" charset="0"/>
+              </a:rPr>
+              <a:t>Sort</a:t>
+            </a:r>
+            <a:endParaRPr lang="en-SG" sz="2190" dirty="0">
+              <a:latin typeface="Arial" panose="020B0604020202020204" pitchFamily="34" charset="0"/>
+              <a:cs typeface="Arial" panose="020B0604020202020204" pitchFamily="34" charset="0"/>
+            </a:endParaRPr>
+          </a:p>
+        </p:txBody>
+      </p:sp>
+      <p:pic>
+        <p:nvPicPr>
+          <p:cNvPr id="46" name="Image 0" descr="preencoded.png">
+            <a:extLst>
+              <a:ext uri="{FF2B5EF4-FFF2-40B4-BE49-F238E27FC236}">
+                <a16:creationId xmlns:a16="http://schemas.microsoft.com/office/drawing/2014/main" id="{F224ACE9-9DE2-F701-686C-6D6CBF213BF4}"/>
+              </a:ext>
+            </a:extLst>
+          </p:cNvPr>
+          <p:cNvPicPr>
+            <a:picLocks noChangeAspect="1"/>
+          </p:cNvPicPr>
+          <p:nvPr/>
+        </p:nvPicPr>
+        <p:blipFill>
+          <a:blip r:embed="rId3"/>
+          <a:stretch>
+            <a:fillRect/>
+          </a:stretch>
+        </p:blipFill>
+        <p:spPr>
+          <a:xfrm>
+            <a:off x="13823" y="0"/>
+            <a:ext cx="14630400" cy="8229600"/>
+          </a:xfrm>
+          <a:prstGeom prst="rect">
+            <a:avLst/>
+          </a:prstGeom>
+        </p:spPr>
+      </p:pic>
+      <p:sp>
+        <p:nvSpPr>
+          <p:cNvPr id="47" name="Shape 0">
+            <a:extLst>
+              <a:ext uri="{FF2B5EF4-FFF2-40B4-BE49-F238E27FC236}">
+                <a16:creationId xmlns:a16="http://schemas.microsoft.com/office/drawing/2014/main" id="{38A02B8A-00E6-0825-5266-ABA9AA7F0B60}"/>
+              </a:ext>
+            </a:extLst>
+          </p:cNvPr>
+          <p:cNvSpPr/>
+          <p:nvPr/>
+        </p:nvSpPr>
+        <p:spPr>
+          <a:xfrm>
+            <a:off x="691" y="-7257"/>
+            <a:ext cx="14630400" cy="8229600"/>
+          </a:xfrm>
+          <a:prstGeom prst="rect">
+            <a:avLst/>
+          </a:prstGeom>
+          <a:solidFill>
+            <a:srgbClr val="FFFDFA"/>
+          </a:solidFill>
+          <a:ln/>
+        </p:spPr>
+      </p:sp>
+      <p:sp>
+        <p:nvSpPr>
+          <p:cNvPr id="48" name="Text 1">
+            <a:extLst>
+              <a:ext uri="{FF2B5EF4-FFF2-40B4-BE49-F238E27FC236}">
+                <a16:creationId xmlns:a16="http://schemas.microsoft.com/office/drawing/2014/main" id="{61FC03AA-26D4-1139-462A-5AC60D743EF6}"/>
+              </a:ext>
+            </a:extLst>
+          </p:cNvPr>
+          <p:cNvSpPr/>
+          <p:nvPr/>
+        </p:nvSpPr>
+        <p:spPr>
+          <a:xfrm>
+            <a:off x="2037993" y="1760997"/>
+            <a:ext cx="5554980" cy="694373"/>
+          </a:xfrm>
+          <a:prstGeom prst="rect">
+            <a:avLst/>
+          </a:prstGeom>
+          <a:noFill/>
+          <a:ln/>
+        </p:spPr>
+        <p:txBody>
+          <a:bodyPr wrap="none" rtlCol="0" anchor="t"/>
+          <a:lstStyle/>
+          <a:p>
+            <a:pPr marL="0" indent="0">
+              <a:lnSpc>
+                <a:spcPts val="5468"/>
+              </a:lnSpc>
+              <a:buNone/>
+            </a:pPr>
+            <a:r>
+              <a:rPr lang="en-US" sz="4374" dirty="0">
+                <a:solidFill>
+                  <a:srgbClr val="5C4E3D"/>
+                </a:solidFill>
+                <a:latin typeface="Georgia" panose="02040502050405020303" pitchFamily="18" charset="0"/>
+                <a:ea typeface="Libre Baskerville" pitchFamily="34" charset="-122"/>
+                <a:cs typeface="Libre Baskerville" pitchFamily="34" charset="-120"/>
+              </a:rPr>
+              <a:t>CRUDS Operations</a:t>
+            </a:r>
+            <a:endParaRPr lang="en-US" sz="4374" dirty="0">
+              <a:latin typeface="Georgia" panose="02040502050405020303" pitchFamily="18" charset="0"/>
+            </a:endParaRPr>
+          </a:p>
+        </p:txBody>
+      </p:sp>
+      <p:sp>
+        <p:nvSpPr>
+          <p:cNvPr id="49" name="Shape 2">
+            <a:extLst>
+              <a:ext uri="{FF2B5EF4-FFF2-40B4-BE49-F238E27FC236}">
+                <a16:creationId xmlns:a16="http://schemas.microsoft.com/office/drawing/2014/main" id="{8DDEE8BA-5212-F8B4-883B-FB3852ADF868}"/>
+              </a:ext>
+            </a:extLst>
+          </p:cNvPr>
+          <p:cNvSpPr/>
+          <p:nvPr/>
+        </p:nvSpPr>
+        <p:spPr>
+          <a:xfrm>
+            <a:off x="2037993" y="3073304"/>
+            <a:ext cx="499943" cy="499943"/>
+          </a:xfrm>
+          <a:prstGeom prst="roundRect">
+            <a:avLst>
+              <a:gd name="adj" fmla="val 20000"/>
+            </a:avLst>
+          </a:prstGeom>
+          <a:solidFill>
+            <a:srgbClr val="F7EDD4"/>
+          </a:solidFill>
+          <a:ln w="7620">
+            <a:solidFill>
+              <a:srgbClr val="DDD3BA"/>
+            </a:solidFill>
+            <a:prstDash val="solid"/>
+          </a:ln>
+        </p:spPr>
+      </p:sp>
+      <p:sp>
+        <p:nvSpPr>
+          <p:cNvPr id="50" name="Text 3">
+            <a:extLst>
+              <a:ext uri="{FF2B5EF4-FFF2-40B4-BE49-F238E27FC236}">
+                <a16:creationId xmlns:a16="http://schemas.microsoft.com/office/drawing/2014/main" id="{7A92AD64-ED16-84A6-CB11-2FF1C4C66A69}"/>
+              </a:ext>
+            </a:extLst>
+          </p:cNvPr>
+          <p:cNvSpPr/>
+          <p:nvPr/>
+        </p:nvSpPr>
+        <p:spPr>
+          <a:xfrm>
+            <a:off x="2213610" y="3114976"/>
+            <a:ext cx="148709" cy="416481"/>
+          </a:xfrm>
+          <a:prstGeom prst="rect">
+            <a:avLst/>
+          </a:prstGeom>
+          <a:noFill/>
+          <a:ln/>
+        </p:spPr>
+        <p:txBody>
+          <a:bodyPr wrap="none" rtlCol="0" anchor="t"/>
+          <a:lstStyle/>
+          <a:p>
+            <a:pPr marL="0" indent="0" algn="ctr">
+              <a:lnSpc>
+                <a:spcPts val="3281"/>
+              </a:lnSpc>
+              <a:buNone/>
+            </a:pPr>
+            <a:r>
+              <a:rPr lang="en-US" sz="2624" dirty="0">
+                <a:solidFill>
+                  <a:srgbClr val="454240"/>
+                </a:solidFill>
+                <a:latin typeface="Arial" panose="020B0604020202020204" pitchFamily="34" charset="0"/>
+                <a:ea typeface="Libre Baskerville" pitchFamily="34" charset="-122"/>
+                <a:cs typeface="Arial" panose="020B0604020202020204" pitchFamily="34" charset="0"/>
+              </a:rPr>
+              <a:t>1</a:t>
+            </a:r>
+            <a:endParaRPr lang="en-US" sz="2624" dirty="0">
+              <a:latin typeface="Arial" panose="020B0604020202020204" pitchFamily="34" charset="0"/>
+              <a:cs typeface="Arial" panose="020B0604020202020204" pitchFamily="34" charset="0"/>
+            </a:endParaRPr>
+          </a:p>
+        </p:txBody>
+      </p:sp>
+      <p:sp>
+        <p:nvSpPr>
+          <p:cNvPr id="51" name="Text 4">
+            <a:extLst>
+              <a:ext uri="{FF2B5EF4-FFF2-40B4-BE49-F238E27FC236}">
+                <a16:creationId xmlns:a16="http://schemas.microsoft.com/office/drawing/2014/main" id="{B25AA7E6-A491-93CD-0598-9C4EDEDCEEDA}"/>
+              </a:ext>
+            </a:extLst>
+          </p:cNvPr>
+          <p:cNvSpPr/>
+          <p:nvPr/>
+        </p:nvSpPr>
+        <p:spPr>
+          <a:xfrm>
+            <a:off x="2760107" y="3149623"/>
+            <a:ext cx="2777490" cy="347186"/>
+          </a:xfrm>
+          <a:prstGeom prst="rect">
+            <a:avLst/>
+          </a:prstGeom>
+          <a:noFill/>
+          <a:ln/>
+        </p:spPr>
+        <p:txBody>
+          <a:bodyPr wrap="none" rtlCol="0" anchor="t"/>
+          <a:lstStyle/>
+          <a:p>
+            <a:pPr marL="0" indent="0">
+              <a:lnSpc>
+                <a:spcPts val="2734"/>
+              </a:lnSpc>
+              <a:buNone/>
+            </a:pPr>
+            <a:r>
+              <a:rPr lang="en-US" sz="2187" dirty="0">
+                <a:solidFill>
+                  <a:srgbClr val="454240"/>
+                </a:solidFill>
+                <a:latin typeface="Arial" panose="020B0604020202020204" pitchFamily="34" charset="0"/>
+                <a:ea typeface="Libre Baskerville" pitchFamily="34" charset="-122"/>
+                <a:cs typeface="Arial" panose="020B0604020202020204" pitchFamily="34" charset="0"/>
+              </a:rPr>
+              <a:t>Create</a:t>
+            </a:r>
+            <a:endParaRPr lang="en-US" sz="2187" dirty="0">
+              <a:latin typeface="Arial" panose="020B0604020202020204" pitchFamily="34" charset="0"/>
+              <a:cs typeface="Arial" panose="020B0604020202020204" pitchFamily="34" charset="0"/>
+            </a:endParaRPr>
+          </a:p>
+        </p:txBody>
+      </p:sp>
+      <p:sp>
+        <p:nvSpPr>
+          <p:cNvPr id="52" name="Text 5">
+            <a:extLst>
+              <a:ext uri="{FF2B5EF4-FFF2-40B4-BE49-F238E27FC236}">
+                <a16:creationId xmlns:a16="http://schemas.microsoft.com/office/drawing/2014/main" id="{0F303CE3-CA72-9CD2-EBE0-5B912AB86F54}"/>
+              </a:ext>
+            </a:extLst>
+          </p:cNvPr>
+          <p:cNvSpPr/>
+          <p:nvPr/>
+        </p:nvSpPr>
+        <p:spPr>
+          <a:xfrm>
+            <a:off x="2760107" y="3630040"/>
+            <a:ext cx="4444008" cy="710803"/>
+          </a:xfrm>
+          <a:prstGeom prst="rect">
+            <a:avLst/>
+          </a:prstGeom>
+          <a:noFill/>
+          <a:ln/>
+        </p:spPr>
+        <p:txBody>
+          <a:bodyPr wrap="square" rtlCol="0" anchor="t"/>
+          <a:lstStyle/>
+          <a:p>
+            <a:pPr marL="0" indent="0">
+              <a:lnSpc>
+                <a:spcPts val="2799"/>
+              </a:lnSpc>
+              <a:buNone/>
+            </a:pPr>
+            <a:r>
+              <a:rPr lang="en-US" sz="1750" dirty="0">
+                <a:solidFill>
+                  <a:srgbClr val="454240"/>
+                </a:solidFill>
+                <a:ea typeface="DM Sans" pitchFamily="34" charset="-122"/>
+                <a:cs typeface="DM Sans" pitchFamily="34" charset="-120"/>
+              </a:rPr>
+              <a:t>Allows users to add new student records to the system.</a:t>
+            </a:r>
+            <a:endParaRPr lang="en-US" sz="1750" dirty="0"/>
+          </a:p>
+        </p:txBody>
+      </p:sp>
+      <p:sp>
+        <p:nvSpPr>
+          <p:cNvPr id="53" name="Shape 6">
+            <a:extLst>
+              <a:ext uri="{FF2B5EF4-FFF2-40B4-BE49-F238E27FC236}">
+                <a16:creationId xmlns:a16="http://schemas.microsoft.com/office/drawing/2014/main" id="{612803D5-E08E-E924-1BFA-680D57686098}"/>
+              </a:ext>
+            </a:extLst>
+          </p:cNvPr>
+          <p:cNvSpPr/>
+          <p:nvPr/>
+        </p:nvSpPr>
+        <p:spPr>
+          <a:xfrm>
+            <a:off x="7426285" y="3073304"/>
+            <a:ext cx="499943" cy="499943"/>
+          </a:xfrm>
+          <a:prstGeom prst="roundRect">
+            <a:avLst>
+              <a:gd name="adj" fmla="val 20000"/>
+            </a:avLst>
+          </a:prstGeom>
+          <a:solidFill>
+            <a:srgbClr val="F7EDD4"/>
+          </a:solidFill>
+          <a:ln w="7620">
+            <a:solidFill>
+              <a:srgbClr val="DDD3BA"/>
+            </a:solidFill>
+            <a:prstDash val="solid"/>
+          </a:ln>
+        </p:spPr>
+      </p:sp>
+      <p:sp>
+        <p:nvSpPr>
+          <p:cNvPr id="54" name="Text 7">
+            <a:extLst>
+              <a:ext uri="{FF2B5EF4-FFF2-40B4-BE49-F238E27FC236}">
+                <a16:creationId xmlns:a16="http://schemas.microsoft.com/office/drawing/2014/main" id="{642759EB-8DCA-D372-3777-EB1A3C477D49}"/>
+              </a:ext>
+            </a:extLst>
+          </p:cNvPr>
+          <p:cNvSpPr/>
+          <p:nvPr/>
+        </p:nvSpPr>
+        <p:spPr>
+          <a:xfrm>
+            <a:off x="7573566" y="3114976"/>
+            <a:ext cx="205383" cy="416481"/>
+          </a:xfrm>
+          <a:prstGeom prst="rect">
+            <a:avLst/>
+          </a:prstGeom>
+          <a:noFill/>
+          <a:ln/>
+        </p:spPr>
+        <p:txBody>
+          <a:bodyPr wrap="none" rtlCol="0" anchor="t"/>
+          <a:lstStyle/>
+          <a:p>
+            <a:pPr marL="0" indent="0" algn="ctr">
+              <a:lnSpc>
+                <a:spcPts val="3281"/>
+              </a:lnSpc>
+              <a:buNone/>
+            </a:pPr>
+            <a:r>
+              <a:rPr lang="en-US" sz="2624" dirty="0">
+                <a:solidFill>
+                  <a:srgbClr val="454240"/>
+                </a:solidFill>
+                <a:latin typeface="Arial" panose="020B0604020202020204" pitchFamily="34" charset="0"/>
+                <a:ea typeface="Libre Baskerville" pitchFamily="34" charset="-122"/>
+                <a:cs typeface="Arial" panose="020B0604020202020204" pitchFamily="34" charset="0"/>
+              </a:rPr>
+              <a:t>2</a:t>
+            </a:r>
+            <a:endParaRPr lang="en-US" sz="2624" dirty="0">
+              <a:latin typeface="Arial" panose="020B0604020202020204" pitchFamily="34" charset="0"/>
+              <a:cs typeface="Arial" panose="020B0604020202020204" pitchFamily="34" charset="0"/>
+            </a:endParaRPr>
+          </a:p>
+        </p:txBody>
+      </p:sp>
+      <p:sp>
+        <p:nvSpPr>
+          <p:cNvPr id="55" name="Text 8">
+            <a:extLst>
+              <a:ext uri="{FF2B5EF4-FFF2-40B4-BE49-F238E27FC236}">
+                <a16:creationId xmlns:a16="http://schemas.microsoft.com/office/drawing/2014/main" id="{EC3EE60C-F264-680E-FCBA-EAE83983849C}"/>
+              </a:ext>
+            </a:extLst>
+          </p:cNvPr>
+          <p:cNvSpPr/>
+          <p:nvPr/>
+        </p:nvSpPr>
+        <p:spPr>
+          <a:xfrm>
+            <a:off x="8148399" y="3149623"/>
+            <a:ext cx="2777490" cy="347186"/>
+          </a:xfrm>
+          <a:prstGeom prst="rect">
+            <a:avLst/>
+          </a:prstGeom>
+          <a:noFill/>
+          <a:ln/>
+        </p:spPr>
+        <p:txBody>
+          <a:bodyPr wrap="none" rtlCol="0" anchor="t"/>
+          <a:lstStyle/>
+          <a:p>
+            <a:pPr marL="0" indent="0">
+              <a:lnSpc>
+                <a:spcPts val="2734"/>
+              </a:lnSpc>
+              <a:buNone/>
+            </a:pPr>
+            <a:r>
+              <a:rPr lang="en-US" sz="2187" dirty="0">
+                <a:solidFill>
+                  <a:srgbClr val="454240"/>
+                </a:solidFill>
+                <a:latin typeface="Aptos Display" panose="020B0004020202020204" pitchFamily="34" charset="0"/>
+                <a:ea typeface="Libre Baskerville" pitchFamily="34" charset="-122"/>
+                <a:cs typeface="Arial" panose="020B0604020202020204" pitchFamily="34" charset="0"/>
+              </a:rPr>
+              <a:t>Read</a:t>
+            </a:r>
+            <a:endParaRPr lang="en-US" sz="2187" dirty="0">
+              <a:latin typeface="Aptos Display" panose="020B0004020202020204" pitchFamily="34" charset="0"/>
+              <a:cs typeface="Arial" panose="020B0604020202020204" pitchFamily="34" charset="0"/>
+            </a:endParaRPr>
+          </a:p>
+        </p:txBody>
+      </p:sp>
+      <p:sp>
+        <p:nvSpPr>
+          <p:cNvPr id="56" name="Text 9">
+            <a:extLst>
+              <a:ext uri="{FF2B5EF4-FFF2-40B4-BE49-F238E27FC236}">
+                <a16:creationId xmlns:a16="http://schemas.microsoft.com/office/drawing/2014/main" id="{6BE14BEE-BC33-4779-315A-B83B5A4EBB27}"/>
+              </a:ext>
+            </a:extLst>
+          </p:cNvPr>
+          <p:cNvSpPr/>
+          <p:nvPr/>
+        </p:nvSpPr>
+        <p:spPr>
+          <a:xfrm>
+            <a:off x="8148399" y="3630040"/>
+            <a:ext cx="4444008" cy="710803"/>
+          </a:xfrm>
+          <a:prstGeom prst="rect">
+            <a:avLst/>
+          </a:prstGeom>
+          <a:noFill/>
+          <a:ln/>
+        </p:spPr>
+        <p:txBody>
+          <a:bodyPr wrap="square" rtlCol="0" anchor="t"/>
+          <a:lstStyle/>
+          <a:p>
+            <a:pPr marL="0" indent="0">
+              <a:lnSpc>
+                <a:spcPts val="2799"/>
+              </a:lnSpc>
+              <a:buNone/>
+            </a:pPr>
+            <a:r>
+              <a:rPr lang="en-US" sz="1750" dirty="0">
+                <a:solidFill>
+                  <a:srgbClr val="454240"/>
+                </a:solidFill>
+                <a:ea typeface="DM Sans" pitchFamily="34" charset="-122"/>
+                <a:cs typeface="DM Sans" pitchFamily="34" charset="-120"/>
+              </a:rPr>
+              <a:t>Enables users to view and retrieve existing student data.</a:t>
+            </a:r>
+            <a:endParaRPr lang="en-US" sz="1750" dirty="0"/>
+          </a:p>
+        </p:txBody>
+      </p:sp>
+      <p:sp>
+        <p:nvSpPr>
+          <p:cNvPr id="57" name="Shape 10">
+            <a:extLst>
+              <a:ext uri="{FF2B5EF4-FFF2-40B4-BE49-F238E27FC236}">
+                <a16:creationId xmlns:a16="http://schemas.microsoft.com/office/drawing/2014/main" id="{68F84916-F498-CBD3-E75F-3BA377FA3FB5}"/>
+              </a:ext>
+            </a:extLst>
+          </p:cNvPr>
+          <p:cNvSpPr/>
+          <p:nvPr/>
+        </p:nvSpPr>
+        <p:spPr>
+          <a:xfrm>
+            <a:off x="2037993" y="4736607"/>
+            <a:ext cx="499943" cy="499943"/>
+          </a:xfrm>
+          <a:prstGeom prst="roundRect">
+            <a:avLst>
+              <a:gd name="adj" fmla="val 20000"/>
+            </a:avLst>
+          </a:prstGeom>
+          <a:solidFill>
+            <a:srgbClr val="F7EDD4"/>
+          </a:solidFill>
+          <a:ln w="7620">
+            <a:solidFill>
+              <a:srgbClr val="DDD3BA"/>
+            </a:solidFill>
+            <a:prstDash val="solid"/>
+          </a:ln>
+        </p:spPr>
+      </p:sp>
+      <p:sp>
+        <p:nvSpPr>
+          <p:cNvPr id="58" name="Text 11">
+            <a:extLst>
+              <a:ext uri="{FF2B5EF4-FFF2-40B4-BE49-F238E27FC236}">
+                <a16:creationId xmlns:a16="http://schemas.microsoft.com/office/drawing/2014/main" id="{5F4E7F77-A776-4C62-6336-8092113C12F9}"/>
+              </a:ext>
+            </a:extLst>
+          </p:cNvPr>
+          <p:cNvSpPr/>
+          <p:nvPr/>
+        </p:nvSpPr>
+        <p:spPr>
+          <a:xfrm>
+            <a:off x="2185273" y="4778279"/>
+            <a:ext cx="205383" cy="416481"/>
+          </a:xfrm>
+          <a:prstGeom prst="rect">
+            <a:avLst/>
+          </a:prstGeom>
+          <a:noFill/>
+          <a:ln/>
+        </p:spPr>
+        <p:txBody>
+          <a:bodyPr wrap="none" rtlCol="0" anchor="t"/>
+          <a:lstStyle/>
+          <a:p>
+            <a:pPr marL="0" indent="0" algn="ctr">
+              <a:lnSpc>
+                <a:spcPts val="3281"/>
+              </a:lnSpc>
+              <a:buNone/>
+            </a:pPr>
+            <a:r>
+              <a:rPr lang="en-US" sz="2624" dirty="0">
+                <a:solidFill>
+                  <a:srgbClr val="454240"/>
+                </a:solidFill>
+                <a:latin typeface="Arial" panose="020B0604020202020204" pitchFamily="34" charset="0"/>
+                <a:ea typeface="Libre Baskerville" pitchFamily="34" charset="-122"/>
+                <a:cs typeface="Arial" panose="020B0604020202020204" pitchFamily="34" charset="0"/>
+              </a:rPr>
+              <a:t>3</a:t>
+            </a:r>
+            <a:endParaRPr lang="en-US" sz="2624" dirty="0">
+              <a:latin typeface="Arial" panose="020B0604020202020204" pitchFamily="34" charset="0"/>
+              <a:cs typeface="Arial" panose="020B0604020202020204" pitchFamily="34" charset="0"/>
+            </a:endParaRPr>
+          </a:p>
+        </p:txBody>
+      </p:sp>
+      <p:sp>
+        <p:nvSpPr>
+          <p:cNvPr id="59" name="Text 12">
+            <a:extLst>
+              <a:ext uri="{FF2B5EF4-FFF2-40B4-BE49-F238E27FC236}">
+                <a16:creationId xmlns:a16="http://schemas.microsoft.com/office/drawing/2014/main" id="{A30F3F43-3CDE-E604-D685-0036989AA057}"/>
+              </a:ext>
+            </a:extLst>
+          </p:cNvPr>
+          <p:cNvSpPr/>
+          <p:nvPr/>
+        </p:nvSpPr>
+        <p:spPr>
+          <a:xfrm>
+            <a:off x="2760107" y="4812926"/>
+            <a:ext cx="2777490" cy="347186"/>
+          </a:xfrm>
+          <a:prstGeom prst="rect">
+            <a:avLst/>
+          </a:prstGeom>
+          <a:noFill/>
+          <a:ln/>
+        </p:spPr>
+        <p:txBody>
+          <a:bodyPr wrap="none" rtlCol="0" anchor="t"/>
+          <a:lstStyle/>
+          <a:p>
+            <a:pPr marL="0" indent="0">
+              <a:lnSpc>
+                <a:spcPts val="2734"/>
+              </a:lnSpc>
+              <a:buNone/>
+            </a:pPr>
+            <a:r>
+              <a:rPr lang="en-US" sz="2187" dirty="0">
+                <a:solidFill>
+                  <a:srgbClr val="454240"/>
+                </a:solidFill>
+                <a:latin typeface="Arial" panose="020B0604020202020204" pitchFamily="34" charset="0"/>
+                <a:ea typeface="Libre Baskerville" pitchFamily="34" charset="-122"/>
+                <a:cs typeface="Arial" panose="020B0604020202020204" pitchFamily="34" charset="0"/>
+              </a:rPr>
+              <a:t>Update</a:t>
+            </a:r>
+            <a:endParaRPr lang="en-US" sz="2187" dirty="0">
+              <a:latin typeface="Arial" panose="020B0604020202020204" pitchFamily="34" charset="0"/>
+              <a:cs typeface="Arial" panose="020B0604020202020204" pitchFamily="34" charset="0"/>
+            </a:endParaRPr>
+          </a:p>
+        </p:txBody>
+      </p:sp>
+      <p:sp>
+        <p:nvSpPr>
+          <p:cNvPr id="60" name="Text 13">
+            <a:extLst>
+              <a:ext uri="{FF2B5EF4-FFF2-40B4-BE49-F238E27FC236}">
+                <a16:creationId xmlns:a16="http://schemas.microsoft.com/office/drawing/2014/main" id="{54A17363-6C90-010A-AFFD-F3CA727C6543}"/>
+              </a:ext>
+            </a:extLst>
+          </p:cNvPr>
+          <p:cNvSpPr/>
+          <p:nvPr/>
+        </p:nvSpPr>
+        <p:spPr>
+          <a:xfrm>
+            <a:off x="2760107" y="5293344"/>
+            <a:ext cx="4444008" cy="710803"/>
+          </a:xfrm>
+          <a:prstGeom prst="rect">
+            <a:avLst/>
+          </a:prstGeom>
+          <a:noFill/>
+          <a:ln/>
+        </p:spPr>
+        <p:txBody>
+          <a:bodyPr wrap="square" rtlCol="0" anchor="t"/>
+          <a:lstStyle/>
+          <a:p>
+            <a:pPr marL="0" indent="0">
+              <a:lnSpc>
+                <a:spcPts val="2799"/>
+              </a:lnSpc>
+              <a:buNone/>
+            </a:pPr>
+            <a:r>
+              <a:rPr lang="en-US" sz="1750" dirty="0">
+                <a:solidFill>
+                  <a:srgbClr val="454240"/>
+                </a:solidFill>
+                <a:ea typeface="DM Sans" pitchFamily="34" charset="-122"/>
+                <a:cs typeface="DM Sans" pitchFamily="34" charset="-120"/>
+              </a:rPr>
+              <a:t>Gives users the ability to edit and modify student information.</a:t>
+            </a:r>
+            <a:endParaRPr lang="en-US" sz="1750" dirty="0"/>
+          </a:p>
+        </p:txBody>
+      </p:sp>
+      <p:sp>
+        <p:nvSpPr>
+          <p:cNvPr id="61" name="Shape 14">
+            <a:extLst>
+              <a:ext uri="{FF2B5EF4-FFF2-40B4-BE49-F238E27FC236}">
+                <a16:creationId xmlns:a16="http://schemas.microsoft.com/office/drawing/2014/main" id="{9E915938-3750-2302-7D9D-2B7483ABB5F7}"/>
+              </a:ext>
+            </a:extLst>
+          </p:cNvPr>
+          <p:cNvSpPr/>
+          <p:nvPr/>
+        </p:nvSpPr>
+        <p:spPr>
+          <a:xfrm>
+            <a:off x="7426285" y="4736607"/>
+            <a:ext cx="499943" cy="499943"/>
+          </a:xfrm>
+          <a:prstGeom prst="roundRect">
+            <a:avLst>
+              <a:gd name="adj" fmla="val 20000"/>
+            </a:avLst>
+          </a:prstGeom>
+          <a:solidFill>
+            <a:srgbClr val="F7EDD4"/>
+          </a:solidFill>
+          <a:ln w="7620">
+            <a:solidFill>
+              <a:srgbClr val="DDD3BA"/>
+            </a:solidFill>
+            <a:prstDash val="solid"/>
+          </a:ln>
+        </p:spPr>
+      </p:sp>
+      <p:sp>
+        <p:nvSpPr>
+          <p:cNvPr id="62" name="Text 15">
+            <a:extLst>
+              <a:ext uri="{FF2B5EF4-FFF2-40B4-BE49-F238E27FC236}">
+                <a16:creationId xmlns:a16="http://schemas.microsoft.com/office/drawing/2014/main" id="{32C4D0A2-654B-8C3D-00F6-F488CEE31D29}"/>
+              </a:ext>
+            </a:extLst>
+          </p:cNvPr>
+          <p:cNvSpPr/>
+          <p:nvPr/>
+        </p:nvSpPr>
+        <p:spPr>
+          <a:xfrm>
+            <a:off x="7578685" y="4778279"/>
+            <a:ext cx="195024" cy="416481"/>
+          </a:xfrm>
+          <a:prstGeom prst="rect">
+            <a:avLst/>
+          </a:prstGeom>
+          <a:noFill/>
+          <a:ln/>
+        </p:spPr>
+        <p:txBody>
+          <a:bodyPr wrap="none" rtlCol="0" anchor="t"/>
+          <a:lstStyle/>
+          <a:p>
+            <a:pPr marL="0" indent="0" algn="ctr">
+              <a:lnSpc>
+                <a:spcPts val="3281"/>
+              </a:lnSpc>
+              <a:buNone/>
+            </a:pPr>
+            <a:r>
+              <a:rPr lang="en-US" sz="2624" dirty="0">
+                <a:solidFill>
+                  <a:srgbClr val="454240"/>
+                </a:solidFill>
+                <a:latin typeface="Arial" panose="020B0604020202020204" pitchFamily="34" charset="0"/>
+                <a:ea typeface="Libre Baskerville" pitchFamily="34" charset="-122"/>
+                <a:cs typeface="Arial" panose="020B0604020202020204" pitchFamily="34" charset="0"/>
+              </a:rPr>
+              <a:t>4</a:t>
+            </a:r>
+            <a:endParaRPr lang="en-US" sz="2624" dirty="0">
+              <a:latin typeface="Arial" panose="020B0604020202020204" pitchFamily="34" charset="0"/>
+              <a:cs typeface="Arial" panose="020B0604020202020204" pitchFamily="34" charset="0"/>
+            </a:endParaRPr>
+          </a:p>
+        </p:txBody>
+      </p:sp>
+      <p:sp>
+        <p:nvSpPr>
+          <p:cNvPr id="63" name="Text 16">
+            <a:extLst>
+              <a:ext uri="{FF2B5EF4-FFF2-40B4-BE49-F238E27FC236}">
+                <a16:creationId xmlns:a16="http://schemas.microsoft.com/office/drawing/2014/main" id="{52A05866-AA54-4586-E20F-26B4CBD13567}"/>
+              </a:ext>
+            </a:extLst>
+          </p:cNvPr>
+          <p:cNvSpPr/>
+          <p:nvPr/>
+        </p:nvSpPr>
+        <p:spPr>
+          <a:xfrm>
+            <a:off x="8148399" y="4812926"/>
+            <a:ext cx="2777490" cy="347186"/>
+          </a:xfrm>
+          <a:prstGeom prst="rect">
+            <a:avLst/>
+          </a:prstGeom>
+          <a:noFill/>
+          <a:ln/>
+        </p:spPr>
+        <p:txBody>
+          <a:bodyPr wrap="none" rtlCol="0" anchor="t"/>
+          <a:lstStyle/>
+          <a:p>
+            <a:pPr marL="0" indent="0">
+              <a:lnSpc>
+                <a:spcPts val="2734"/>
+              </a:lnSpc>
+              <a:buNone/>
+            </a:pPr>
+            <a:r>
+              <a:rPr lang="en-US" sz="2187" dirty="0">
+                <a:solidFill>
+                  <a:srgbClr val="454240"/>
+                </a:solidFill>
+                <a:latin typeface="Arial" panose="020B0604020202020204" pitchFamily="34" charset="0"/>
+                <a:ea typeface="Libre Baskerville" pitchFamily="34" charset="-122"/>
+                <a:cs typeface="Arial" panose="020B0604020202020204" pitchFamily="34" charset="0"/>
+              </a:rPr>
+              <a:t>Delete</a:t>
+            </a:r>
+            <a:endParaRPr lang="en-US" sz="2187" dirty="0">
+              <a:latin typeface="Arial" panose="020B0604020202020204" pitchFamily="34" charset="0"/>
+              <a:cs typeface="Arial" panose="020B0604020202020204" pitchFamily="34" charset="0"/>
+            </a:endParaRPr>
+          </a:p>
+        </p:txBody>
+      </p:sp>
+      <p:sp>
+        <p:nvSpPr>
+          <p:cNvPr id="64" name="Text 17">
+            <a:extLst>
+              <a:ext uri="{FF2B5EF4-FFF2-40B4-BE49-F238E27FC236}">
+                <a16:creationId xmlns:a16="http://schemas.microsoft.com/office/drawing/2014/main" id="{3E1F13E6-3F45-BAB4-63BA-5400DAA5B4D0}"/>
+              </a:ext>
+            </a:extLst>
+          </p:cNvPr>
+          <p:cNvSpPr/>
+          <p:nvPr/>
+        </p:nvSpPr>
+        <p:spPr>
+          <a:xfrm>
+            <a:off x="8148399" y="5293344"/>
+            <a:ext cx="4444008" cy="710803"/>
+          </a:xfrm>
+          <a:prstGeom prst="rect">
+            <a:avLst/>
+          </a:prstGeom>
+          <a:noFill/>
+          <a:ln/>
+        </p:spPr>
+        <p:txBody>
+          <a:bodyPr wrap="square" rtlCol="0" anchor="t"/>
+          <a:lstStyle/>
+          <a:p>
+            <a:pPr marL="0" indent="0">
+              <a:lnSpc>
+                <a:spcPts val="2799"/>
+              </a:lnSpc>
+              <a:buNone/>
+            </a:pPr>
+            <a:r>
+              <a:rPr lang="en-US" sz="1750" dirty="0">
+                <a:solidFill>
+                  <a:srgbClr val="454240"/>
+                </a:solidFill>
+                <a:ea typeface="DM Sans" pitchFamily="34" charset="-122"/>
+                <a:cs typeface="DM Sans" pitchFamily="34" charset="-120"/>
+              </a:rPr>
+              <a:t>Allows authorized users to remove student records from the system.</a:t>
+            </a:r>
+            <a:endParaRPr lang="en-US" sz="1750" dirty="0"/>
+          </a:p>
+        </p:txBody>
+      </p:sp>
+      <p:sp>
+        <p:nvSpPr>
+          <p:cNvPr id="65" name="Shape 10">
+            <a:extLst>
+              <a:ext uri="{FF2B5EF4-FFF2-40B4-BE49-F238E27FC236}">
+                <a16:creationId xmlns:a16="http://schemas.microsoft.com/office/drawing/2014/main" id="{9D3C0980-5D5F-C767-D2F2-74A6067DB187}"/>
+              </a:ext>
+            </a:extLst>
+          </p:cNvPr>
+          <p:cNvSpPr/>
+          <p:nvPr/>
+        </p:nvSpPr>
+        <p:spPr>
+          <a:xfrm>
+            <a:off x="5047712" y="6572682"/>
+            <a:ext cx="499943" cy="499943"/>
+          </a:xfrm>
+          <a:prstGeom prst="roundRect">
+            <a:avLst>
+              <a:gd name="adj" fmla="val 20000"/>
+            </a:avLst>
+          </a:prstGeom>
+          <a:solidFill>
+            <a:srgbClr val="F7EDD4"/>
+          </a:solidFill>
+          <a:ln w="7620">
+            <a:solidFill>
+              <a:srgbClr val="DDD3BA"/>
+            </a:solidFill>
+            <a:prstDash val="solid"/>
+          </a:ln>
+        </p:spPr>
+      </p:sp>
+      <p:sp>
+        <p:nvSpPr>
+          <p:cNvPr id="66" name="Text 11">
+            <a:extLst>
+              <a:ext uri="{FF2B5EF4-FFF2-40B4-BE49-F238E27FC236}">
+                <a16:creationId xmlns:a16="http://schemas.microsoft.com/office/drawing/2014/main" id="{F53A0195-6B0C-7D65-3D7C-648997F83896}"/>
+              </a:ext>
+            </a:extLst>
+          </p:cNvPr>
+          <p:cNvSpPr/>
+          <p:nvPr/>
+        </p:nvSpPr>
+        <p:spPr>
+          <a:xfrm>
+            <a:off x="5194991" y="6614412"/>
+            <a:ext cx="205383" cy="416481"/>
+          </a:xfrm>
+          <a:prstGeom prst="rect">
+            <a:avLst/>
+          </a:prstGeom>
+          <a:noFill/>
+          <a:ln/>
+        </p:spPr>
+        <p:txBody>
+          <a:bodyPr wrap="none" rtlCol="0" anchor="t"/>
+          <a:lstStyle/>
+          <a:p>
+            <a:pPr marL="0" indent="0" algn="ctr">
+              <a:lnSpc>
+                <a:spcPts val="3281"/>
+              </a:lnSpc>
+              <a:buNone/>
+            </a:pPr>
+            <a:r>
+              <a:rPr lang="en-US" sz="2624" dirty="0">
+                <a:solidFill>
+                  <a:srgbClr val="454240"/>
+                </a:solidFill>
+                <a:latin typeface="Arial" panose="020B0604020202020204" pitchFamily="34" charset="0"/>
+                <a:cs typeface="Arial" panose="020B0604020202020204" pitchFamily="34" charset="0"/>
+              </a:rPr>
+              <a:t>5</a:t>
+            </a:r>
+            <a:endParaRPr lang="en-US" sz="2624" dirty="0">
+              <a:latin typeface="Arial" panose="020B0604020202020204" pitchFamily="34" charset="0"/>
+              <a:cs typeface="Arial" panose="020B0604020202020204" pitchFamily="34" charset="0"/>
+            </a:endParaRPr>
+          </a:p>
+        </p:txBody>
+      </p:sp>
+      <p:sp>
+        <p:nvSpPr>
+          <p:cNvPr id="67" name="TextBox 66">
+            <a:extLst>
+              <a:ext uri="{FF2B5EF4-FFF2-40B4-BE49-F238E27FC236}">
+                <a16:creationId xmlns:a16="http://schemas.microsoft.com/office/drawing/2014/main" id="{3233381D-98EF-14C2-2F68-11CBCA7DE982}"/>
+              </a:ext>
+            </a:extLst>
+          </p:cNvPr>
+          <p:cNvSpPr txBox="1"/>
+          <p:nvPr/>
+        </p:nvSpPr>
+        <p:spPr>
+          <a:xfrm>
+            <a:off x="5573835" y="6661561"/>
+            <a:ext cx="699230" cy="429348"/>
+          </a:xfrm>
+          <a:prstGeom prst="rect">
+            <a:avLst/>
+          </a:prstGeom>
+          <a:noFill/>
+        </p:spPr>
+        <p:txBody>
+          <a:bodyPr wrap="none" rtlCol="0">
+            <a:spAutoFit/>
+          </a:bodyPr>
+          <a:lstStyle/>
+          <a:p>
+            <a:r>
+              <a:rPr lang="en-US" sz="2190" dirty="0">
+                <a:latin typeface="Arial" panose="020B0604020202020204" pitchFamily="34" charset="0"/>
+                <a:cs typeface="Arial" panose="020B0604020202020204" pitchFamily="34" charset="0"/>
+              </a:rPr>
+              <a:t>Sort</a:t>
+            </a:r>
+            <a:endParaRPr lang="en-SG" sz="2190" dirty="0">
+              <a:latin typeface="Arial" panose="020B0604020202020204" pitchFamily="34" charset="0"/>
+              <a:cs typeface="Arial" panose="020B0604020202020204" pitchFamily="34" charset="0"/>
+            </a:endParaRPr>
+          </a:p>
+        </p:txBody>
+      </p:sp>
+      <p:sp>
+        <p:nvSpPr>
+          <p:cNvPr id="68" name="TextBox 67">
+            <a:extLst>
+              <a:ext uri="{FF2B5EF4-FFF2-40B4-BE49-F238E27FC236}">
+                <a16:creationId xmlns:a16="http://schemas.microsoft.com/office/drawing/2014/main" id="{A95C6204-6B53-3CB1-0022-C975C4EFBF66}"/>
+              </a:ext>
+            </a:extLst>
+          </p:cNvPr>
+          <p:cNvSpPr txBox="1"/>
+          <p:nvPr/>
+        </p:nvSpPr>
+        <p:spPr>
+          <a:xfrm>
+            <a:off x="5573835" y="7126413"/>
+            <a:ext cx="4499501" cy="369332"/>
+          </a:xfrm>
+          <a:prstGeom prst="rect">
+            <a:avLst/>
+          </a:prstGeom>
+          <a:noFill/>
+        </p:spPr>
+        <p:txBody>
+          <a:bodyPr wrap="none" rtlCol="0">
+            <a:spAutoFit/>
+          </a:bodyPr>
+          <a:lstStyle/>
+          <a:p>
+            <a:r>
+              <a:rPr lang="en-US" dirty="0"/>
+              <a:t>Allows </a:t>
+            </a:r>
+            <a:r>
+              <a:rPr lang="en-US" sz="1750" dirty="0"/>
+              <a:t>user</a:t>
+            </a:r>
+            <a:r>
+              <a:rPr lang="en-US" dirty="0"/>
+              <a:t> to sort the records as per demand</a:t>
+            </a:r>
+            <a:endParaRPr lang="en-SG" dirty="0"/>
+          </a:p>
+        </p:txBody>
+      </p:sp>
     </p:spTree>
   </p:cSld>
   <p:clrMapOvr>
@@ -2834,7 +4257,7 @@
 </p:sld>
 </file>
 
-<file path=ppt/slides/slide4.xml><?xml version="1.0" encoding="utf-8"?>
+<file path=ppt/slides/slide5.xml><?xml version="1.0" encoding="utf-8"?>
 <p:sld xmlns:a="http://schemas.openxmlformats.org/drawingml/2006/main" xmlns:r="http://schemas.openxmlformats.org/officeDocument/2006/relationships" xmlns:p="http://schemas.openxmlformats.org/presentationml/2006/main">
   <p:cSld name="Slide 4">
     <p:spTree>
@@ -3399,7 +4822,7 @@
 </p:sld>
 </file>
 
-<file path=ppt/slides/slide5.xml><?xml version="1.0" encoding="utf-8"?>
+<file path=ppt/slides/slide6.xml><?xml version="1.0" encoding="utf-8"?>
 <p:sld xmlns:a="http://schemas.openxmlformats.org/drawingml/2006/main" xmlns:r="http://schemas.openxmlformats.org/officeDocument/2006/relationships" xmlns:p="http://schemas.openxmlformats.org/presentationml/2006/main">
   <p:cSld name="Slide 5">
     <p:spTree>
@@ -3981,7 +5404,7 @@
 </p:sld>
 </file>
 
-<file path=ppt/slides/slide6.xml><?xml version="1.0" encoding="utf-8"?>
+<file path=ppt/slides/slide7.xml><?xml version="1.0" encoding="utf-8"?>
 <p:sld xmlns:a="http://schemas.openxmlformats.org/drawingml/2006/main" xmlns:r="http://schemas.openxmlformats.org/officeDocument/2006/relationships" xmlns:p="http://schemas.openxmlformats.org/presentationml/2006/main">
   <p:cSld name="Slide 6">
     <p:spTree>
@@ -4448,7 +5871,7 @@
 </p:sld>
 </file>
 
-<file path=ppt/slides/slide7.xml><?xml version="1.0" encoding="utf-8"?>
+<file path=ppt/slides/slide8.xml><?xml version="1.0" encoding="utf-8"?>
 <p:sld xmlns:a="http://schemas.openxmlformats.org/drawingml/2006/main" xmlns:r="http://schemas.openxmlformats.org/officeDocument/2006/relationships" xmlns:p="http://schemas.openxmlformats.org/presentationml/2006/main">
   <p:cSld name="Slide 7">
     <p:spTree>
@@ -5001,7 +6424,7 @@
 </p:sld>
 </file>
 
-<file path=ppt/slides/slide8.xml><?xml version="1.0" encoding="utf-8"?>
+<file path=ppt/slides/slide9.xml><?xml version="1.0" encoding="utf-8"?>
 <p:sld xmlns:a="http://schemas.openxmlformats.org/drawingml/2006/main" xmlns:r="http://schemas.openxmlformats.org/officeDocument/2006/relationships" xmlns:p="http://schemas.openxmlformats.org/presentationml/2006/main">
   <p:cSld name="Slide 8">
     <p:spTree>
